--- a/activity_database/1_concept/Product.pptx
+++ b/activity_database/1_concept/Product.pptx
@@ -6,6 +6,7 @@
   </p:sldMasterIdLst>
   <p:sldIdLst>
     <p:sldId id="257" r:id="rId2"/>
+    <p:sldId id="258" r:id="rId3"/>
   </p:sldIdLst>
   <p:sldSz cx="12192000" cy="6858000"/>
   <p:notesSz cx="6858000" cy="9144000"/>
@@ -3352,7 +3353,7 @@
         <p:spPr>
           <a:xfrm>
             <a:off x="487314" y="268298"/>
-            <a:ext cx="11142540" cy="5262979"/>
+            <a:ext cx="11142540" cy="5509200"/>
           </a:xfrm>
           <a:prstGeom prst="rect">
             <a:avLst/>
@@ -3454,7 +3455,7 @@
               <a:rPr lang="de-DE" sz="1600" dirty="0">
                 <a:sym typeface="Wingdings" panose="05000000000000000000" pitchFamily="2" charset="2"/>
               </a:rPr>
-              <a:t>Titel, Beschreibung, Bild, Typ, Datum, Originalpost URL, Tags, Valid-</a:t>
+              <a:t>Titel, Beschreibung, Bild, Typ, Datum, Länge, Originalpost URL, Tags, Valid-</a:t>
             </a:r>
             <a:r>
               <a:rPr lang="de-DE" sz="1600" dirty="0" err="1">
@@ -3602,6 +3603,30 @@
             </a:r>
           </a:p>
           <a:p>
+            <a:pPr marL="1657350" lvl="3" indent="-285750">
+              <a:buFont typeface="Wingdings" panose="05000000000000000000" pitchFamily="2" charset="2"/>
+              <a:buChar char="à"/>
+            </a:pPr>
+            <a:r>
+              <a:rPr lang="de-DE" sz="1600" dirty="0">
+                <a:sym typeface="Wingdings" panose="05000000000000000000" pitchFamily="2" charset="2"/>
+              </a:rPr>
+              <a:t>Seitlich </a:t>
+            </a:r>
+            <a:r>
+              <a:rPr lang="de-DE" sz="1600" dirty="0" err="1">
+                <a:sym typeface="Wingdings" panose="05000000000000000000" pitchFamily="2" charset="2"/>
+              </a:rPr>
+              <a:t>swipen</a:t>
+            </a:r>
+            <a:r>
+              <a:rPr lang="de-DE" sz="1600" dirty="0">
+                <a:sym typeface="Wingdings" panose="05000000000000000000" pitchFamily="2" charset="2"/>
+              </a:rPr>
+              <a:t> für ähnliche Aktivitäten – e.g. bin bei Kochen dann gehe da tiefer</a:t>
+            </a:r>
+          </a:p>
+          <a:p>
             <a:pPr marL="1200150" lvl="2" indent="-285750">
               <a:buFont typeface="Wingdings" panose="05000000000000000000" pitchFamily="2" charset="2"/>
               <a:buChar char="à"/>
@@ -3701,6 +3726,312 @@
     <p:extLst>
       <p:ext uri="{BB962C8B-B14F-4D97-AF65-F5344CB8AC3E}">
         <p14:creationId xmlns:p14="http://schemas.microsoft.com/office/powerpoint/2010/main" val="2610010118"/>
+      </p:ext>
+    </p:extLst>
+  </p:cSld>
+  <p:clrMapOvr>
+    <a:masterClrMapping/>
+  </p:clrMapOvr>
+</p:sld>
+</file>
+
+<file path=ppt/slides/slide2.xml><?xml version="1.0" encoding="utf-8"?>
+<p:sld xmlns:a="http://schemas.openxmlformats.org/drawingml/2006/main" xmlns:r="http://schemas.openxmlformats.org/officeDocument/2006/relationships" xmlns:p="http://schemas.openxmlformats.org/presentationml/2006/main">
+  <p:cSld>
+    <p:spTree>
+      <p:nvGrpSpPr>
+        <p:cNvPr id="1" name=""/>
+        <p:cNvGrpSpPr/>
+        <p:nvPr/>
+      </p:nvGrpSpPr>
+      <p:grpSpPr>
+        <a:xfrm>
+          <a:off x="0" y="0"/>
+          <a:ext cx="0" cy="0"/>
+          <a:chOff x="0" y="0"/>
+          <a:chExt cx="0" cy="0"/>
+        </a:xfrm>
+      </p:grpSpPr>
+      <p:sp>
+        <p:nvSpPr>
+          <p:cNvPr id="2" name="Rechteck 1">
+            <a:extLst>
+              <a:ext uri="{FF2B5EF4-FFF2-40B4-BE49-F238E27FC236}">
+                <a16:creationId xmlns:a16="http://schemas.microsoft.com/office/drawing/2014/main" id="{CDB624D2-D595-44BD-A9B5-1AFC4B97094C}"/>
+              </a:ext>
+            </a:extLst>
+          </p:cNvPr>
+          <p:cNvSpPr/>
+          <p:nvPr/>
+        </p:nvSpPr>
+        <p:spPr>
+          <a:xfrm>
+            <a:off x="1752144" y="640626"/>
+            <a:ext cx="6964771" cy="2967696"/>
+          </a:xfrm>
+          <a:prstGeom prst="rect">
+            <a:avLst/>
+          </a:prstGeom>
+        </p:spPr>
+        <p:style>
+          <a:lnRef idx="2">
+            <a:schemeClr val="accent6"/>
+          </a:lnRef>
+          <a:fillRef idx="1">
+            <a:schemeClr val="lt1"/>
+          </a:fillRef>
+          <a:effectRef idx="0">
+            <a:schemeClr val="accent6"/>
+          </a:effectRef>
+          <a:fontRef idx="minor">
+            <a:schemeClr val="dk1"/>
+          </a:fontRef>
+        </p:style>
+        <p:txBody>
+          <a:bodyPr rtlCol="0" anchor="ctr"/>
+          <a:lstStyle/>
+          <a:p>
+            <a:pPr algn="ctr"/>
+            <a:endParaRPr lang="de-DE"/>
+          </a:p>
+        </p:txBody>
+      </p:sp>
+      <p:sp>
+        <p:nvSpPr>
+          <p:cNvPr id="8" name="Rechteck 7">
+            <a:extLst>
+              <a:ext uri="{FF2B5EF4-FFF2-40B4-BE49-F238E27FC236}">
+                <a16:creationId xmlns:a16="http://schemas.microsoft.com/office/drawing/2014/main" id="{A2A642C9-2924-448C-BC3C-8F28EF3B7646}"/>
+              </a:ext>
+            </a:extLst>
+          </p:cNvPr>
+          <p:cNvSpPr/>
+          <p:nvPr/>
+        </p:nvSpPr>
+        <p:spPr>
+          <a:xfrm>
+            <a:off x="1752144" y="640626"/>
+            <a:ext cx="6964771" cy="2513233"/>
+          </a:xfrm>
+          <a:prstGeom prst="rect">
+            <a:avLst/>
+          </a:prstGeom>
+        </p:spPr>
+        <p:style>
+          <a:lnRef idx="2">
+            <a:schemeClr val="dk1">
+              <a:shade val="50000"/>
+            </a:schemeClr>
+          </a:lnRef>
+          <a:fillRef idx="1">
+            <a:schemeClr val="dk1"/>
+          </a:fillRef>
+          <a:effectRef idx="0">
+            <a:schemeClr val="dk1"/>
+          </a:effectRef>
+          <a:fontRef idx="minor">
+            <a:schemeClr val="lt1"/>
+          </a:fontRef>
+        </p:style>
+        <p:txBody>
+          <a:bodyPr rtlCol="0" anchor="ctr"/>
+          <a:lstStyle/>
+          <a:p>
+            <a:pPr algn="ctr"/>
+            <a:endParaRPr lang="de-DE" dirty="0"/>
+          </a:p>
+        </p:txBody>
+      </p:sp>
+      <p:sp>
+        <p:nvSpPr>
+          <p:cNvPr id="9" name="Rechteck 8">
+            <a:extLst>
+              <a:ext uri="{FF2B5EF4-FFF2-40B4-BE49-F238E27FC236}">
+                <a16:creationId xmlns:a16="http://schemas.microsoft.com/office/drawing/2014/main" id="{0FF8306D-49D1-44CC-971D-4BB661E5879E}"/>
+              </a:ext>
+            </a:extLst>
+          </p:cNvPr>
+          <p:cNvSpPr/>
+          <p:nvPr/>
+        </p:nvSpPr>
+        <p:spPr>
+          <a:xfrm>
+            <a:off x="1752144" y="3802699"/>
+            <a:ext cx="6964771" cy="3055301"/>
+          </a:xfrm>
+          <a:prstGeom prst="rect">
+            <a:avLst/>
+          </a:prstGeom>
+        </p:spPr>
+        <p:style>
+          <a:lnRef idx="2">
+            <a:schemeClr val="dk1">
+              <a:shade val="50000"/>
+            </a:schemeClr>
+          </a:lnRef>
+          <a:fillRef idx="1">
+            <a:schemeClr val="dk1"/>
+          </a:fillRef>
+          <a:effectRef idx="0">
+            <a:schemeClr val="dk1"/>
+          </a:effectRef>
+          <a:fontRef idx="minor">
+            <a:schemeClr val="lt1"/>
+          </a:fontRef>
+        </p:style>
+        <p:txBody>
+          <a:bodyPr rtlCol="0" anchor="ctr"/>
+          <a:lstStyle/>
+          <a:p>
+            <a:pPr algn="ctr"/>
+            <a:endParaRPr lang="de-DE"/>
+          </a:p>
+        </p:txBody>
+      </p:sp>
+      <p:sp>
+        <p:nvSpPr>
+          <p:cNvPr id="10" name="Textfeld 9">
+            <a:extLst>
+              <a:ext uri="{FF2B5EF4-FFF2-40B4-BE49-F238E27FC236}">
+                <a16:creationId xmlns:a16="http://schemas.microsoft.com/office/drawing/2014/main" id="{99B82939-7A4A-4DB9-AD35-034359D112DE}"/>
+              </a:ext>
+            </a:extLst>
+          </p:cNvPr>
+          <p:cNvSpPr txBox="1"/>
+          <p:nvPr/>
+        </p:nvSpPr>
+        <p:spPr>
+          <a:xfrm>
+            <a:off x="7424709" y="804891"/>
+            <a:ext cx="879408" cy="369332"/>
+          </a:xfrm>
+          <a:prstGeom prst="rect">
+            <a:avLst/>
+          </a:prstGeom>
+          <a:solidFill>
+            <a:schemeClr val="accent2"/>
+          </a:solidFill>
+        </p:spPr>
+        <p:txBody>
+          <a:bodyPr wrap="none" rtlCol="0">
+            <a:spAutoFit/>
+          </a:bodyPr>
+          <a:lstStyle/>
+          <a:p>
+            <a:r>
+              <a:rPr lang="de-DE" dirty="0"/>
+              <a:t>Kochen</a:t>
+            </a:r>
+          </a:p>
+        </p:txBody>
+      </p:sp>
+      <p:cxnSp>
+        <p:nvCxnSpPr>
+          <p:cNvPr id="12" name="Gerade Verbindung mit Pfeil 11">
+            <a:extLst>
+              <a:ext uri="{FF2B5EF4-FFF2-40B4-BE49-F238E27FC236}">
+                <a16:creationId xmlns:a16="http://schemas.microsoft.com/office/drawing/2014/main" id="{B7330054-1EB9-4473-848C-3E0BD8B1BF2C}"/>
+              </a:ext>
+            </a:extLst>
+          </p:cNvPr>
+          <p:cNvCxnSpPr>
+            <a:cxnSpLocks/>
+          </p:cNvCxnSpPr>
+          <p:nvPr/>
+        </p:nvCxnSpPr>
+        <p:spPr>
+          <a:xfrm flipH="1" flipV="1">
+            <a:off x="8311732" y="974630"/>
+            <a:ext cx="744661" cy="199593"/>
+          </a:xfrm>
+          <a:prstGeom prst="straightConnector1">
+            <a:avLst/>
+          </a:prstGeom>
+          <a:ln>
+            <a:tailEnd type="triangle"/>
+          </a:ln>
+        </p:spPr>
+        <p:style>
+          <a:lnRef idx="1">
+            <a:schemeClr val="accent1"/>
+          </a:lnRef>
+          <a:fillRef idx="0">
+            <a:schemeClr val="accent1"/>
+          </a:fillRef>
+          <a:effectRef idx="0">
+            <a:schemeClr val="accent1"/>
+          </a:effectRef>
+          <a:fontRef idx="minor">
+            <a:schemeClr val="tx1"/>
+          </a:fontRef>
+        </p:style>
+      </p:cxnSp>
+      <p:sp>
+        <p:nvSpPr>
+          <p:cNvPr id="14" name="Textfeld 13">
+            <a:extLst>
+              <a:ext uri="{FF2B5EF4-FFF2-40B4-BE49-F238E27FC236}">
+                <a16:creationId xmlns:a16="http://schemas.microsoft.com/office/drawing/2014/main" id="{2CB66B1F-4FB9-4B34-9FD9-1CB71D5E693A}"/>
+              </a:ext>
+            </a:extLst>
+          </p:cNvPr>
+          <p:cNvSpPr txBox="1"/>
+          <p:nvPr/>
+        </p:nvSpPr>
+        <p:spPr>
+          <a:xfrm>
+            <a:off x="9313740" y="1174223"/>
+            <a:ext cx="2667672" cy="1477328"/>
+          </a:xfrm>
+          <a:prstGeom prst="rect">
+            <a:avLst/>
+          </a:prstGeom>
+          <a:noFill/>
+        </p:spPr>
+        <p:txBody>
+          <a:bodyPr wrap="square" rtlCol="0">
+            <a:spAutoFit/>
+          </a:bodyPr>
+          <a:lstStyle/>
+          <a:p>
+            <a:r>
+              <a:rPr lang="de-DE" dirty="0"/>
+              <a:t>Seitliches </a:t>
+            </a:r>
+            <a:r>
+              <a:rPr lang="de-DE" dirty="0" err="1"/>
+              <a:t>Swipen</a:t>
+            </a:r>
+            <a:endParaRPr lang="de-DE" dirty="0"/>
+          </a:p>
+          <a:p>
+            <a:r>
+              <a:rPr lang="de-DE" dirty="0"/>
+              <a:t>Zeigt mehr aus Bereich </a:t>
+            </a:r>
+          </a:p>
+          <a:p>
+            <a:r>
+              <a:rPr lang="de-DE" dirty="0"/>
+              <a:t>Kochen</a:t>
+            </a:r>
+          </a:p>
+          <a:p>
+            <a:pPr marL="285750" indent="-285750">
+              <a:buFontTx/>
+              <a:buChar char="-"/>
+            </a:pPr>
+            <a:r>
+              <a:rPr lang="de-DE" dirty="0"/>
+              <a:t>Mehr anzeigen filtert auf  Kochen</a:t>
+            </a:r>
+          </a:p>
+        </p:txBody>
+      </p:sp>
+    </p:spTree>
+    <p:extLst>
+      <p:ext uri="{BB962C8B-B14F-4D97-AF65-F5344CB8AC3E}">
+        <p14:creationId xmlns:p14="http://schemas.microsoft.com/office/powerpoint/2010/main" val="2221095857"/>
       </p:ext>
     </p:extLst>
   </p:cSld>

--- a/activity_database/1_concept/Product.pptx
+++ b/activity_database/1_concept/Product.pptx
@@ -7,6 +7,7 @@
   <p:sldIdLst>
     <p:sldId id="257" r:id="rId2"/>
     <p:sldId id="258" r:id="rId3"/>
+    <p:sldId id="259" r:id="rId4"/>
   </p:sldIdLst>
   <p:sldSz cx="12192000" cy="6858000"/>
   <p:notesSz cx="6858000" cy="9144000"/>
@@ -271,7 +272,7 @@
           <a:p>
             <a:fld id="{FD8F79AF-16F5-4346-977A-6FF32A2A6136}" type="datetimeFigureOut">
               <a:rPr lang="de-DE" smtClean="0"/>
-              <a:t>16.03.2022</a:t>
+              <a:t>17.03.2022</a:t>
             </a:fld>
             <a:endParaRPr lang="de-DE"/>
           </a:p>
@@ -469,7 +470,7 @@
           <a:p>
             <a:fld id="{FD8F79AF-16F5-4346-977A-6FF32A2A6136}" type="datetimeFigureOut">
               <a:rPr lang="de-DE" smtClean="0"/>
-              <a:t>16.03.2022</a:t>
+              <a:t>17.03.2022</a:t>
             </a:fld>
             <a:endParaRPr lang="de-DE"/>
           </a:p>
@@ -677,7 +678,7 @@
           <a:p>
             <a:fld id="{FD8F79AF-16F5-4346-977A-6FF32A2A6136}" type="datetimeFigureOut">
               <a:rPr lang="de-DE" smtClean="0"/>
-              <a:t>16.03.2022</a:t>
+              <a:t>17.03.2022</a:t>
             </a:fld>
             <a:endParaRPr lang="de-DE"/>
           </a:p>
@@ -875,7 +876,7 @@
           <a:p>
             <a:fld id="{FD8F79AF-16F5-4346-977A-6FF32A2A6136}" type="datetimeFigureOut">
               <a:rPr lang="de-DE" smtClean="0"/>
-              <a:t>16.03.2022</a:t>
+              <a:t>17.03.2022</a:t>
             </a:fld>
             <a:endParaRPr lang="de-DE"/>
           </a:p>
@@ -1150,7 +1151,7 @@
           <a:p>
             <a:fld id="{FD8F79AF-16F5-4346-977A-6FF32A2A6136}" type="datetimeFigureOut">
               <a:rPr lang="de-DE" smtClean="0"/>
-              <a:t>16.03.2022</a:t>
+              <a:t>17.03.2022</a:t>
             </a:fld>
             <a:endParaRPr lang="de-DE"/>
           </a:p>
@@ -1415,7 +1416,7 @@
           <a:p>
             <a:fld id="{FD8F79AF-16F5-4346-977A-6FF32A2A6136}" type="datetimeFigureOut">
               <a:rPr lang="de-DE" smtClean="0"/>
-              <a:t>16.03.2022</a:t>
+              <a:t>17.03.2022</a:t>
             </a:fld>
             <a:endParaRPr lang="de-DE"/>
           </a:p>
@@ -1827,7 +1828,7 @@
           <a:p>
             <a:fld id="{FD8F79AF-16F5-4346-977A-6FF32A2A6136}" type="datetimeFigureOut">
               <a:rPr lang="de-DE" smtClean="0"/>
-              <a:t>16.03.2022</a:t>
+              <a:t>17.03.2022</a:t>
             </a:fld>
             <a:endParaRPr lang="de-DE"/>
           </a:p>
@@ -1968,7 +1969,7 @@
           <a:p>
             <a:fld id="{FD8F79AF-16F5-4346-977A-6FF32A2A6136}" type="datetimeFigureOut">
               <a:rPr lang="de-DE" smtClean="0"/>
-              <a:t>16.03.2022</a:t>
+              <a:t>17.03.2022</a:t>
             </a:fld>
             <a:endParaRPr lang="de-DE"/>
           </a:p>
@@ -2081,7 +2082,7 @@
           <a:p>
             <a:fld id="{FD8F79AF-16F5-4346-977A-6FF32A2A6136}" type="datetimeFigureOut">
               <a:rPr lang="de-DE" smtClean="0"/>
-              <a:t>16.03.2022</a:t>
+              <a:t>17.03.2022</a:t>
             </a:fld>
             <a:endParaRPr lang="de-DE"/>
           </a:p>
@@ -2392,7 +2393,7 @@
           <a:p>
             <a:fld id="{FD8F79AF-16F5-4346-977A-6FF32A2A6136}" type="datetimeFigureOut">
               <a:rPr lang="de-DE" smtClean="0"/>
-              <a:t>16.03.2022</a:t>
+              <a:t>17.03.2022</a:t>
             </a:fld>
             <a:endParaRPr lang="de-DE"/>
           </a:p>
@@ -2680,7 +2681,7 @@
           <a:p>
             <a:fld id="{FD8F79AF-16F5-4346-977A-6FF32A2A6136}" type="datetimeFigureOut">
               <a:rPr lang="de-DE" smtClean="0"/>
-              <a:t>16.03.2022</a:t>
+              <a:t>17.03.2022</a:t>
             </a:fld>
             <a:endParaRPr lang="de-DE"/>
           </a:p>
@@ -2921,7 +2922,7 @@
           <a:p>
             <a:fld id="{FD8F79AF-16F5-4346-977A-6FF32A2A6136}" type="datetimeFigureOut">
               <a:rPr lang="de-DE" smtClean="0"/>
-              <a:t>16.03.2022</a:t>
+              <a:t>17.03.2022</a:t>
             </a:fld>
             <a:endParaRPr lang="de-DE"/>
           </a:p>
@@ -4041,6 +4042,133 @@
 </p:sld>
 </file>
 
+<file path=ppt/slides/slide3.xml><?xml version="1.0" encoding="utf-8"?>
+<p:sld xmlns:a="http://schemas.openxmlformats.org/drawingml/2006/main" xmlns:r="http://schemas.openxmlformats.org/officeDocument/2006/relationships" xmlns:p="http://schemas.openxmlformats.org/presentationml/2006/main">
+  <p:cSld>
+    <p:spTree>
+      <p:nvGrpSpPr>
+        <p:cNvPr id="1" name=""/>
+        <p:cNvGrpSpPr/>
+        <p:nvPr/>
+      </p:nvGrpSpPr>
+      <p:grpSpPr>
+        <a:xfrm>
+          <a:off x="0" y="0"/>
+          <a:ext cx="0" cy="0"/>
+          <a:chOff x="0" y="0"/>
+          <a:chExt cx="0" cy="0"/>
+        </a:xfrm>
+      </p:grpSpPr>
+      <p:sp>
+        <p:nvSpPr>
+          <p:cNvPr id="5" name="Textfeld 4">
+            <a:extLst>
+              <a:ext uri="{FF2B5EF4-FFF2-40B4-BE49-F238E27FC236}">
+                <a16:creationId xmlns:a16="http://schemas.microsoft.com/office/drawing/2014/main" id="{F32E9946-B1D9-4646-8E3B-BCD64BF427A0}"/>
+              </a:ext>
+            </a:extLst>
+          </p:cNvPr>
+          <p:cNvSpPr txBox="1"/>
+          <p:nvPr/>
+        </p:nvSpPr>
+        <p:spPr>
+          <a:xfrm>
+            <a:off x="487314" y="268298"/>
+            <a:ext cx="11142540" cy="1815882"/>
+          </a:xfrm>
+          <a:prstGeom prst="rect">
+            <a:avLst/>
+          </a:prstGeom>
+          <a:noFill/>
+        </p:spPr>
+        <p:txBody>
+          <a:bodyPr wrap="square" rtlCol="0">
+            <a:spAutoFit/>
+          </a:bodyPr>
+          <a:lstStyle/>
+          <a:p>
+            <a:r>
+              <a:rPr lang="de-DE" sz="1600" b="1" dirty="0"/>
+              <a:t>Ideen</a:t>
+            </a:r>
+            <a:endParaRPr lang="de-DE" sz="1600" dirty="0"/>
+          </a:p>
+          <a:p>
+            <a:endParaRPr lang="de-DE" sz="1600" dirty="0"/>
+          </a:p>
+          <a:p>
+            <a:pPr marL="285750" indent="-285750">
+              <a:buFont typeface="Arial" panose="020B0604020202020204" pitchFamily="34" charset="0"/>
+              <a:buChar char="•"/>
+            </a:pPr>
+            <a:r>
+              <a:rPr lang="de-DE" sz="1600" dirty="0"/>
+              <a:t>Oben leiste mit </a:t>
+            </a:r>
+            <a:r>
+              <a:rPr lang="de-DE" sz="1600" dirty="0" err="1"/>
+              <a:t>tv</a:t>
+            </a:r>
+            <a:r>
+              <a:rPr lang="de-DE" sz="1600" dirty="0"/>
+              <a:t>, Sport.... - Die die ich markiere werden gezeigt - Dann kann angeben das schaue ich gerne mache ich gerne für </a:t>
+            </a:r>
+            <a:r>
+              <a:rPr lang="de-DE" sz="1600" dirty="0" err="1"/>
+              <a:t>recommender</a:t>
+            </a:r>
+            <a:r>
+              <a:rPr lang="de-DE" sz="1600" dirty="0"/>
+              <a:t> Engine</a:t>
+            </a:r>
+          </a:p>
+          <a:p>
+            <a:pPr marL="285750" indent="-285750">
+              <a:buFont typeface="Arial" panose="020B0604020202020204" pitchFamily="34" charset="0"/>
+              <a:buChar char="•"/>
+            </a:pPr>
+            <a:r>
+              <a:rPr lang="de-DE" sz="1600" dirty="0"/>
+              <a:t>Abonnieren bestimmte Art von </a:t>
+            </a:r>
+            <a:r>
+              <a:rPr lang="de-DE" sz="1600" dirty="0" err="1"/>
+              <a:t>event</a:t>
+            </a:r>
+            <a:r>
+              <a:rPr lang="de-DE" sz="1600"/>
+              <a:t> – Z.B. </a:t>
+            </a:r>
+            <a:r>
+              <a:rPr lang="de-DE" sz="1600" dirty="0"/>
+              <a:t>schaue gerne Biathlon dann soll das auf meiner Vorschlagliste landen </a:t>
+            </a:r>
+          </a:p>
+          <a:p>
+            <a:pPr marL="285750" indent="-285750">
+              <a:buFont typeface="Arial" panose="020B0604020202020204" pitchFamily="34" charset="0"/>
+              <a:buChar char="•"/>
+            </a:pPr>
+            <a:endParaRPr lang="de-DE" sz="1600" dirty="0"/>
+          </a:p>
+          <a:p>
+            <a:endParaRPr lang="de-DE" sz="1600" dirty="0"/>
+          </a:p>
+        </p:txBody>
+      </p:sp>
+    </p:spTree>
+    <p:extLst>
+      <p:ext uri="{BB962C8B-B14F-4D97-AF65-F5344CB8AC3E}">
+        <p14:creationId xmlns:p14="http://schemas.microsoft.com/office/powerpoint/2010/main" val="230448761"/>
+      </p:ext>
+    </p:extLst>
+  </p:cSld>
+  <p:clrMapOvr>
+    <a:masterClrMapping/>
+  </p:clrMapOvr>
+</p:sld>
+</file>
+
 <file path=ppt/theme/theme1.xml><?xml version="1.0" encoding="utf-8"?>
 <a:theme xmlns:a="http://schemas.openxmlformats.org/drawingml/2006/main" name="Office">
   <a:themeElements>
